--- a/Srinivas Resume Capg.pptx
+++ b/Srinivas Resume Capg.pptx
@@ -5321,44 +5321,14 @@
             <a:r>
               <a:rPr lang="en-IN" altLang="nl-NL" dirty="0">
                 <a:solidFill>
-                  <a:schemeClr val="tx2">
-                    <a:lumMod val="40000"/>
-                    <a:lumOff val="60000"/>
-                  </a:schemeClr>
-                </a:solidFill>
-                <a:hlinkClick r:id="rId2"/>
+                  <a:schemeClr val="bg1"/>
+                </a:solidFill>
               </a:rPr>
-              <a:t>j-s-c-srinivas.kumar</a:t>
-            </a:r>
-            <a:r>
-              <a:rPr lang="nl-NL" altLang="nl-NL" dirty="0">
-                <a:solidFill>
-                  <a:schemeClr val="tx2">
-                    <a:lumMod val="40000"/>
-                    <a:lumOff val="60000"/>
-                  </a:schemeClr>
-                </a:solidFill>
-                <a:hlinkClick r:id="rId2"/>
-              </a:rPr>
-              <a:t>@capgemini.com</a:t>
-            </a:r>
-            <a:r>
-              <a:rPr lang="nl-NL" altLang="nl-NL" dirty="0">
-                <a:solidFill>
-                  <a:schemeClr val="tx2">
-                    <a:lumMod val="40000"/>
-                    <a:lumOff val="60000"/>
-                  </a:schemeClr>
-                </a:solidFill>
-              </a:rPr>
-              <a:t> </a:t>
-            </a:r>
-            <a:endParaRPr lang="nl-NL" altLang="nl-NL" dirty="0">
+              <a:t>j-s-c-Srinivas.Kumar@capgemini.com</a:t>
+            </a:r>
+            <a:endParaRPr lang="en-IN" altLang="nl-NL" dirty="0">
               <a:solidFill>
-                <a:schemeClr val="tx2">
-                  <a:lumMod val="40000"/>
-                  <a:lumOff val="60000"/>
-                </a:schemeClr>
+                <a:schemeClr val="bg1"/>
               </a:solidFill>
             </a:endParaRPr>
           </a:p>
@@ -6147,7 +6117,7 @@
       <p:pic>
         <p:nvPicPr>
           <p:cNvPr id="7179" name="Picture 7">
-            <a:hlinkClick r:id="rId3" tooltip="" action="ppaction://hlinkfile"/>
+            <a:hlinkClick r:id="rId2" action="ppaction://hlinkfile"/>
           </p:cNvPr>
           <p:cNvPicPr>
             <a:picLocks noChangeAspect="1" noChangeArrowheads="1"/>
@@ -6155,7 +6125,7 @@
           <p:nvPr/>
         </p:nvPicPr>
         <p:blipFill>
-          <a:blip r:embed="rId4">
+          <a:blip r:embed="rId3">
             <a:extLst>
               <a:ext uri="{28A0092B-C50C-407E-A947-70E740481C1C}">
                 <a14:useLocalDpi xmlns:a14="http://schemas.microsoft.com/office/drawing/2010/main" val="0"/>
@@ -6354,7 +6324,7 @@
       <p:pic>
         <p:nvPicPr>
           <p:cNvPr id="7181" name="Picture 6" descr="Movie, play, video icon">
-            <a:hlinkClick r:id="rId5"/>
+            <a:hlinkClick r:id="rId4"/>
           </p:cNvPr>
           <p:cNvPicPr>
             <a:picLocks noChangeAspect="1" noChangeArrowheads="1"/>
@@ -6362,7 +6332,7 @@
           <p:nvPr/>
         </p:nvPicPr>
         <p:blipFill>
-          <a:blip r:embed="rId6">
+          <a:blip r:embed="rId5">
             <a:extLst>
               <a:ext uri="{28A0092B-C50C-407E-A947-70E740481C1C}">
                 <a14:useLocalDpi xmlns:a14="http://schemas.microsoft.com/office/drawing/2010/main" val="0"/>
@@ -6416,7 +6386,7 @@
           <p:nvPr/>
         </p:nvPicPr>
         <p:blipFill>
-          <a:blip r:embed="rId7">
+          <a:blip r:embed="rId6">
             <a:extLst>
               <a:ext uri="{28A0092B-C50C-407E-A947-70E740481C1C}">
                 <a14:useLocalDpi xmlns:a14="http://schemas.microsoft.com/office/drawing/2010/main" val="0"/>
